--- a/docs/diagrams/SuggestSequenceDiagram.pptx
+++ b/docs/diagrams/SuggestSequenceDiagram.pptx
@@ -109,7 +109,7 @@
   </p:defaultTextStyle>
   <p:extLst>
     <p:ext uri="{EFAFB233-063F-42B5-8137-9DF3F51BA10A}">
-      <p15:sldGuideLst xmlns:p15="http://schemas.microsoft.com/office/powerpoint/2012/main" xmlns="">
+      <p15:sldGuideLst xmlns="" xmlns:p15="http://schemas.microsoft.com/office/powerpoint/2012/main">
         <p15:guide id="1" orient="horz" pos="1488">
           <p15:clr>
             <a:srgbClr val="A4A3A4"/>
@@ -212,7 +212,7 @@
           <a:p>
             <a:fld id="{F5CC4B3F-88C1-4FFA-B1B6-F41C21DC6924}" type="datetimeFigureOut">
               <a:rPr lang="en-US" smtClean="0"/>
-              <a:t>11/10/2018</a:t>
+              <a:t>11/12/2018</a:t>
             </a:fld>
             <a:endParaRPr lang="en-US"/>
           </a:p>
@@ -658,7 +658,7 @@
           <a:p>
             <a:fld id="{78C97017-6FC3-485B-9764-EAC9E56C1D49}" type="datetimeFigureOut">
               <a:rPr lang="en-US" smtClean="0"/>
-              <a:t>11/10/2018</a:t>
+              <a:t>11/12/2018</a:t>
             </a:fld>
             <a:endParaRPr lang="en-US"/>
           </a:p>
@@ -826,7 +826,7 @@
           <a:p>
             <a:fld id="{78C97017-6FC3-485B-9764-EAC9E56C1D49}" type="datetimeFigureOut">
               <a:rPr lang="en-US" smtClean="0"/>
-              <a:t>11/10/2018</a:t>
+              <a:t>11/12/2018</a:t>
             </a:fld>
             <a:endParaRPr lang="en-US"/>
           </a:p>
@@ -1004,7 +1004,7 @@
           <a:p>
             <a:fld id="{78C97017-6FC3-485B-9764-EAC9E56C1D49}" type="datetimeFigureOut">
               <a:rPr lang="en-US" smtClean="0"/>
-              <a:t>11/10/2018</a:t>
+              <a:t>11/12/2018</a:t>
             </a:fld>
             <a:endParaRPr lang="en-US"/>
           </a:p>
@@ -1172,7 +1172,7 @@
           <a:p>
             <a:fld id="{78C97017-6FC3-485B-9764-EAC9E56C1D49}" type="datetimeFigureOut">
               <a:rPr lang="en-US" smtClean="0"/>
-              <a:t>11/10/2018</a:t>
+              <a:t>11/12/2018</a:t>
             </a:fld>
             <a:endParaRPr lang="en-US"/>
           </a:p>
@@ -1417,7 +1417,7 @@
           <a:p>
             <a:fld id="{78C97017-6FC3-485B-9764-EAC9E56C1D49}" type="datetimeFigureOut">
               <a:rPr lang="en-US" smtClean="0"/>
-              <a:t>11/10/2018</a:t>
+              <a:t>11/12/2018</a:t>
             </a:fld>
             <a:endParaRPr lang="en-US"/>
           </a:p>
@@ -1702,7 +1702,7 @@
           <a:p>
             <a:fld id="{78C97017-6FC3-485B-9764-EAC9E56C1D49}" type="datetimeFigureOut">
               <a:rPr lang="en-US" smtClean="0"/>
-              <a:t>11/10/2018</a:t>
+              <a:t>11/12/2018</a:t>
             </a:fld>
             <a:endParaRPr lang="en-US"/>
           </a:p>
@@ -2121,7 +2121,7 @@
           <a:p>
             <a:fld id="{78C97017-6FC3-485B-9764-EAC9E56C1D49}" type="datetimeFigureOut">
               <a:rPr lang="en-US" smtClean="0"/>
-              <a:t>11/10/2018</a:t>
+              <a:t>11/12/2018</a:t>
             </a:fld>
             <a:endParaRPr lang="en-US"/>
           </a:p>
@@ -2238,7 +2238,7 @@
           <a:p>
             <a:fld id="{78C97017-6FC3-485B-9764-EAC9E56C1D49}" type="datetimeFigureOut">
               <a:rPr lang="en-US" smtClean="0"/>
-              <a:t>11/10/2018</a:t>
+              <a:t>11/12/2018</a:t>
             </a:fld>
             <a:endParaRPr lang="en-US"/>
           </a:p>
@@ -2333,7 +2333,7 @@
           <a:p>
             <a:fld id="{78C97017-6FC3-485B-9764-EAC9E56C1D49}" type="datetimeFigureOut">
               <a:rPr lang="en-US" smtClean="0"/>
-              <a:t>11/10/2018</a:t>
+              <a:t>11/12/2018</a:t>
             </a:fld>
             <a:endParaRPr lang="en-US"/>
           </a:p>
@@ -2608,7 +2608,7 @@
           <a:p>
             <a:fld id="{78C97017-6FC3-485B-9764-EAC9E56C1D49}" type="datetimeFigureOut">
               <a:rPr lang="en-US" smtClean="0"/>
-              <a:t>11/10/2018</a:t>
+              <a:t>11/12/2018</a:t>
             </a:fld>
             <a:endParaRPr lang="en-US"/>
           </a:p>
@@ -2860,7 +2860,7 @@
           <a:p>
             <a:fld id="{78C97017-6FC3-485B-9764-EAC9E56C1D49}" type="datetimeFigureOut">
               <a:rPr lang="en-US" smtClean="0"/>
-              <a:t>11/10/2018</a:t>
+              <a:t>11/12/2018</a:t>
             </a:fld>
             <a:endParaRPr lang="en-US"/>
           </a:p>
@@ -3071,7 +3071,7 @@
           <a:p>
             <a:fld id="{78C97017-6FC3-485B-9764-EAC9E56C1D49}" type="datetimeFigureOut">
               <a:rPr lang="en-US" smtClean="0"/>
-              <a:t>11/10/2018</a:t>
+              <a:t>11/12/2018</a:t>
             </a:fld>
             <a:endParaRPr lang="en-US"/>
           </a:p>
@@ -3973,7 +3973,7 @@
         </p:nvCxnSpPr>
         <p:spPr>
           <a:xfrm>
-            <a:off x="509491" y="1277359"/>
+            <a:off x="498077" y="1309825"/>
             <a:ext cx="1119851" cy="0"/>
           </a:xfrm>
           <a:prstGeom prst="straightConnector1">
@@ -4038,31 +4038,7 @@
                   <a:srgbClr val="0070C0"/>
                 </a:solidFill>
               </a:rPr>
-              <a:t>(“</a:t>
-            </a:r>
-            <a:r>
-              <a:rPr lang="en-US" sz="1400" dirty="0" smtClean="0">
-                <a:solidFill>
-                  <a:srgbClr val="0070C0"/>
-                </a:solidFill>
-              </a:rPr>
-              <a:t>suggest</a:t>
-            </a:r>
-            <a:r>
-              <a:rPr lang="en-US" sz="1400" dirty="0" smtClean="0">
-                <a:solidFill>
-                  <a:srgbClr val="0070C0"/>
-                </a:solidFill>
-              </a:rPr>
-              <a:t> </a:t>
-            </a:r>
-            <a:r>
-              <a:rPr lang="en-US" sz="1400" dirty="0" smtClean="0">
-                <a:solidFill>
-                  <a:srgbClr val="0070C0"/>
-                </a:solidFill>
-              </a:rPr>
-              <a:t>y/1 s/1”)</a:t>
+              <a:t>(“suggest y/1 s/1”)</a:t>
             </a:r>
             <a:endParaRPr lang="en-US" sz="1400" dirty="0">
               <a:solidFill>
@@ -4197,8 +4173,8 @@
         </p:nvCxnSpPr>
         <p:spPr>
           <a:xfrm>
-            <a:off x="1781742" y="3806436"/>
-            <a:ext cx="2273599" cy="0"/>
+            <a:off x="1770328" y="3803279"/>
+            <a:ext cx="2384194" cy="0"/>
           </a:xfrm>
           <a:prstGeom prst="straightConnector1">
             <a:avLst/>
@@ -4693,7 +4669,7 @@
         <p:spPr>
           <a:xfrm>
             <a:off x="7943607" y="4185804"/>
-            <a:ext cx="168896" cy="538596"/>
+            <a:ext cx="168896" cy="544922"/>
           </a:xfrm>
           <a:prstGeom prst="rect">
             <a:avLst/>
@@ -4874,7 +4850,7 @@
           <p:cNvPr id="66" name="Straight Arrow Connector 65">
             <a:extLst>
               <a:ext uri="{FF2B5EF4-FFF2-40B4-BE49-F238E27FC236}">
-                <a16:creationId xmlns:a16="http://schemas.microsoft.com/office/drawing/2014/main" xmlns="" id="{39916E2E-195A-4DC8-B025-B05FA87E6796}"/>
+                <a16:creationId xmlns="" xmlns:a16="http://schemas.microsoft.com/office/drawing/2014/main" id="{39916E2E-195A-4DC8-B025-B05FA87E6796}"/>
               </a:ext>
             </a:extLst>
           </p:cNvPr>
@@ -4918,7 +4894,7 @@
           <p:cNvPr id="67" name="Straight Arrow Connector 66">
             <a:extLst>
               <a:ext uri="{FF2B5EF4-FFF2-40B4-BE49-F238E27FC236}">
-                <a16:creationId xmlns:a16="http://schemas.microsoft.com/office/drawing/2014/main" xmlns="" id="{D881596E-177C-4FDC-8E60-CAB90B3D5FAB}"/>
+                <a16:creationId xmlns="" xmlns:a16="http://schemas.microsoft.com/office/drawing/2014/main" id="{D881596E-177C-4FDC-8E60-CAB90B3D5FAB}"/>
               </a:ext>
             </a:extLst>
           </p:cNvPr>
@@ -4928,9 +4904,9 @@
           <p:nvPr/>
         </p:nvCxnSpPr>
         <p:spPr>
-          <a:xfrm>
-            <a:off x="1798636" y="1379278"/>
-            <a:ext cx="2256705" cy="1"/>
+          <a:xfrm flipV="1">
+            <a:off x="1770328" y="1381171"/>
+            <a:ext cx="2317934" cy="29456"/>
           </a:xfrm>
           <a:prstGeom prst="straightConnector1">
             <a:avLst/>
@@ -4962,7 +4938,7 @@
           <p:cNvPr id="69" name="Straight Arrow Connector 68">
             <a:extLst>
               <a:ext uri="{FF2B5EF4-FFF2-40B4-BE49-F238E27FC236}">
-                <a16:creationId xmlns:a16="http://schemas.microsoft.com/office/drawing/2014/main" xmlns="" id="{7C9F21BC-13A9-471F-825A-2621FD36355F}"/>
+                <a16:creationId xmlns="" xmlns:a16="http://schemas.microsoft.com/office/drawing/2014/main" id="{7C9F21BC-13A9-471F-825A-2621FD36355F}"/>
               </a:ext>
             </a:extLst>
           </p:cNvPr>
@@ -4973,7 +4949,7 @@
         </p:nvCxnSpPr>
         <p:spPr>
           <a:xfrm>
-            <a:off x="4243140" y="3580274"/>
+            <a:off x="4240167" y="3589724"/>
             <a:ext cx="1373739" cy="3162"/>
           </a:xfrm>
           <a:prstGeom prst="straightConnector1">
@@ -5008,7 +4984,7 @@
           <p:cNvPr id="89" name="Straight Connector 88">
             <a:extLst>
               <a:ext uri="{FF2B5EF4-FFF2-40B4-BE49-F238E27FC236}">
-                <a16:creationId xmlns:a16="http://schemas.microsoft.com/office/drawing/2014/main" xmlns="" id="{E4E1C8CA-49DF-45D8-80A5-D5C8282EE927}"/>
+                <a16:creationId xmlns="" xmlns:a16="http://schemas.microsoft.com/office/drawing/2014/main" id="{E4E1C8CA-49DF-45D8-80A5-D5C8282EE927}"/>
               </a:ext>
             </a:extLst>
           </p:cNvPr>
@@ -5170,7 +5146,7 @@
           <p:cNvPr id="60" name="Straight Arrow Connector 59">
             <a:extLst>
               <a:ext uri="{FF2B5EF4-FFF2-40B4-BE49-F238E27FC236}">
-                <a16:creationId xmlns:a16="http://schemas.microsoft.com/office/drawing/2014/main" xmlns="" id="{7C9F21BC-13A9-471F-825A-2621FD36355F}"/>
+                <a16:creationId xmlns="" xmlns:a16="http://schemas.microsoft.com/office/drawing/2014/main" id="{7C9F21BC-13A9-471F-825A-2621FD36355F}"/>
               </a:ext>
             </a:extLst>
           </p:cNvPr>
@@ -5216,20 +5192,19 @@
           <p:cNvPr id="63" name="Straight Arrow Connector 62">
             <a:extLst>
               <a:ext uri="{FF2B5EF4-FFF2-40B4-BE49-F238E27FC236}">
-                <a16:creationId xmlns:a16="http://schemas.microsoft.com/office/drawing/2014/main" xmlns="" id="{7C9F21BC-13A9-471F-825A-2621FD36355F}"/>
+                <a16:creationId xmlns="" xmlns:a16="http://schemas.microsoft.com/office/drawing/2014/main" id="{7C9F21BC-13A9-471F-825A-2621FD36355F}"/>
               </a:ext>
             </a:extLst>
           </p:cNvPr>
           <p:cNvCxnSpPr>
             <a:cxnSpLocks/>
-            <a:endCxn id="49" idx="2"/>
           </p:cNvCxnSpPr>
           <p:nvPr/>
         </p:nvCxnSpPr>
         <p:spPr>
           <a:xfrm>
-            <a:off x="6719794" y="4724400"/>
-            <a:ext cx="1308261" cy="0"/>
+            <a:off x="6718402" y="4720174"/>
+            <a:ext cx="1308261" cy="6326"/>
           </a:xfrm>
           <a:prstGeom prst="straightConnector1">
             <a:avLst/>
@@ -5470,7 +5445,7 @@
           <p:cNvPr id="59" name="Straight Arrow Connector 58">
             <a:extLst>
               <a:ext uri="{FF2B5EF4-FFF2-40B4-BE49-F238E27FC236}">
-                <a16:creationId xmlns:a16="http://schemas.microsoft.com/office/drawing/2014/main" xmlns="" id="{D881596E-177C-4FDC-8E60-CAB90B3D5FAB}"/>
+                <a16:creationId xmlns="" xmlns:a16="http://schemas.microsoft.com/office/drawing/2014/main" id="{D881596E-177C-4FDC-8E60-CAB90B3D5FAB}"/>
               </a:ext>
             </a:extLst>
           </p:cNvPr>
@@ -5548,59 +5523,17 @@
           </a:p>
         </p:txBody>
       </p:sp>
-      <p:sp>
-        <p:nvSpPr>
-          <p:cNvPr id="62" name="TextBox 61"/>
-          <p:cNvSpPr txBox="1"/>
-          <p:nvPr/>
-        </p:nvSpPr>
-        <p:spPr>
-          <a:xfrm>
-            <a:off x="2545988" y="3571245"/>
-            <a:ext cx="762000" cy="215444"/>
-          </a:xfrm>
-          <a:prstGeom prst="rect">
-            <a:avLst/>
-          </a:prstGeom>
-          <a:noFill/>
-        </p:spPr>
-        <p:txBody>
-          <a:bodyPr wrap="square" lIns="0" tIns="0" rIns="0" bIns="0" rtlCol="0">
-            <a:spAutoFit/>
-          </a:bodyPr>
-          <a:lstStyle>
-            <a:defPPr>
-              <a:defRPr lang="en-US"/>
-            </a:defPPr>
-            <a:lvl1pPr algn="r">
-              <a:defRPr sz="1400">
-                <a:solidFill>
-                  <a:srgbClr val="0070C0"/>
-                </a:solidFill>
-              </a:defRPr>
-            </a:lvl1pPr>
-          </a:lstStyle>
-          <a:p>
-            <a:r>
-              <a:rPr lang="en-US" dirty="0" smtClean="0"/>
-              <a:t>l</a:t>
-            </a:r>
-            <a:endParaRPr lang="en-US" dirty="0"/>
-          </a:p>
-        </p:txBody>
-      </p:sp>
       <p:cxnSp>
         <p:nvCxnSpPr>
           <p:cNvPr id="64" name="Straight Arrow Connector 63"/>
           <p:cNvCxnSpPr>
             <a:cxnSpLocks/>
-            <a:endCxn id="58" idx="2"/>
           </p:cNvCxnSpPr>
           <p:nvPr/>
         </p:nvCxnSpPr>
         <p:spPr>
           <a:xfrm>
-            <a:off x="1770328" y="5562600"/>
+            <a:off x="1765867" y="5557138"/>
             <a:ext cx="4877727" cy="0"/>
           </a:xfrm>
           <a:prstGeom prst="straightConnector1">
@@ -5823,7 +5756,7 @@
           <p:cNvPr id="78" name="Straight Arrow Connector 77">
             <a:extLst>
               <a:ext uri="{FF2B5EF4-FFF2-40B4-BE49-F238E27FC236}">
-                <a16:creationId xmlns:a16="http://schemas.microsoft.com/office/drawing/2014/main" xmlns="" id="{7C9F21BC-13A9-471F-825A-2621FD36355F}"/>
+                <a16:creationId xmlns="" xmlns:a16="http://schemas.microsoft.com/office/drawing/2014/main" id="{7C9F21BC-13A9-471F-825A-2621FD36355F}"/>
               </a:ext>
             </a:extLst>
           </p:cNvPr>
@@ -5834,7 +5767,7 @@
         </p:nvCxnSpPr>
         <p:spPr>
           <a:xfrm flipV="1">
-            <a:off x="6736151" y="5453629"/>
+            <a:off x="6736151" y="5466579"/>
             <a:ext cx="1299339" cy="5055"/>
           </a:xfrm>
           <a:prstGeom prst="straightConnector1">
@@ -6065,7 +5998,7 @@
         <p:spPr>
           <a:xfrm>
             <a:off x="9685610" y="4572719"/>
-            <a:ext cx="152400" cy="140805"/>
+            <a:ext cx="149334" cy="148263"/>
           </a:xfrm>
           <a:prstGeom prst="line">
             <a:avLst/>
@@ -6098,7 +6031,7 @@
           <p:cNvPr id="100" name="Straight Arrow Connector 99">
             <a:extLst>
               <a:ext uri="{FF2B5EF4-FFF2-40B4-BE49-F238E27FC236}">
-                <a16:creationId xmlns:a16="http://schemas.microsoft.com/office/drawing/2014/main" xmlns="" id="{7C9F21BC-13A9-471F-825A-2621FD36355F}"/>
+                <a16:creationId xmlns="" xmlns:a16="http://schemas.microsoft.com/office/drawing/2014/main" id="{7C9F21BC-13A9-471F-825A-2621FD36355F}"/>
               </a:ext>
             </a:extLst>
           </p:cNvPr>
@@ -6109,7 +6042,7 @@
         </p:nvCxnSpPr>
         <p:spPr>
           <a:xfrm>
-            <a:off x="9656674" y="4713524"/>
+            <a:off x="9656674" y="4720982"/>
             <a:ext cx="178270" cy="0"/>
           </a:xfrm>
           <a:prstGeom prst="straightConnector1">

--- a/docs/diagrams/SuggestSequenceDiagram.pptx
+++ b/docs/diagrams/SuggestSequenceDiagram.pptx
@@ -109,7 +109,7 @@
   </p:defaultTextStyle>
   <p:extLst>
     <p:ext uri="{EFAFB233-063F-42B5-8137-9DF3F51BA10A}">
-      <p15:sldGuideLst xmlns="" xmlns:p15="http://schemas.microsoft.com/office/powerpoint/2012/main">
+      <p15:sldGuideLst xmlns:p15="http://schemas.microsoft.com/office/powerpoint/2012/main" xmlns="">
         <p15:guide id="1" orient="horz" pos="1488">
           <p15:clr>
             <a:srgbClr val="A4A3A4"/>
@@ -4370,8 +4370,8 @@
         </p:nvSpPr>
         <p:spPr>
           <a:xfrm>
-            <a:off x="1864343" y="1121510"/>
-            <a:ext cx="2223919" cy="215444"/>
+            <a:off x="1058002" y="950282"/>
+            <a:ext cx="2556281" cy="430887"/>
           </a:xfrm>
           <a:prstGeom prst="rect">
             <a:avLst/>
@@ -4396,12 +4396,27 @@
           </a:lstStyle>
           <a:p>
             <a:r>
-              <a:rPr lang="en-US" dirty="0" err="1"/>
+              <a:rPr lang="en-US" dirty="0" err="1" smtClean="0"/>
               <a:t>parseCommand</a:t>
             </a:r>
+            <a:endParaRPr lang="en-US" dirty="0" smtClean="0"/>
+          </a:p>
+          <a:p>
             <a:r>
               <a:rPr lang="en-US" dirty="0" smtClean="0"/>
-              <a:t>(“list y/1 s/1”)</a:t>
+              <a:t>(“</a:t>
+            </a:r>
+            <a:r>
+              <a:rPr lang="en-US" dirty="0" smtClean="0"/>
+              <a:t>sugges</a:t>
+            </a:r>
+            <a:r>
+              <a:rPr lang="en-US" dirty="0" smtClean="0"/>
+              <a:t>t </a:t>
+            </a:r>
+            <a:r>
+              <a:rPr lang="en-US" dirty="0" smtClean="0"/>
+              <a:t>y/1 s/1”)</a:t>
             </a:r>
             <a:endParaRPr lang="en-US" dirty="0"/>
           </a:p>
@@ -4850,7 +4865,7 @@
           <p:cNvPr id="66" name="Straight Arrow Connector 65">
             <a:extLst>
               <a:ext uri="{FF2B5EF4-FFF2-40B4-BE49-F238E27FC236}">
-                <a16:creationId xmlns="" xmlns:a16="http://schemas.microsoft.com/office/drawing/2014/main" id="{39916E2E-195A-4DC8-B025-B05FA87E6796}"/>
+                <a16:creationId xmlns:a16="http://schemas.microsoft.com/office/drawing/2014/main" xmlns="" id="{39916E2E-195A-4DC8-B025-B05FA87E6796}"/>
               </a:ext>
             </a:extLst>
           </p:cNvPr>
@@ -4894,7 +4909,7 @@
           <p:cNvPr id="67" name="Straight Arrow Connector 66">
             <a:extLst>
               <a:ext uri="{FF2B5EF4-FFF2-40B4-BE49-F238E27FC236}">
-                <a16:creationId xmlns="" xmlns:a16="http://schemas.microsoft.com/office/drawing/2014/main" id="{D881596E-177C-4FDC-8E60-CAB90B3D5FAB}"/>
+                <a16:creationId xmlns:a16="http://schemas.microsoft.com/office/drawing/2014/main" xmlns="" id="{D881596E-177C-4FDC-8E60-CAB90B3D5FAB}"/>
               </a:ext>
             </a:extLst>
           </p:cNvPr>
@@ -4938,7 +4953,7 @@
           <p:cNvPr id="69" name="Straight Arrow Connector 68">
             <a:extLst>
               <a:ext uri="{FF2B5EF4-FFF2-40B4-BE49-F238E27FC236}">
-                <a16:creationId xmlns="" xmlns:a16="http://schemas.microsoft.com/office/drawing/2014/main" id="{7C9F21BC-13A9-471F-825A-2621FD36355F}"/>
+                <a16:creationId xmlns:a16="http://schemas.microsoft.com/office/drawing/2014/main" xmlns="" id="{7C9F21BC-13A9-471F-825A-2621FD36355F}"/>
               </a:ext>
             </a:extLst>
           </p:cNvPr>
@@ -4984,7 +4999,7 @@
           <p:cNvPr id="89" name="Straight Connector 88">
             <a:extLst>
               <a:ext uri="{FF2B5EF4-FFF2-40B4-BE49-F238E27FC236}">
-                <a16:creationId xmlns="" xmlns:a16="http://schemas.microsoft.com/office/drawing/2014/main" id="{E4E1C8CA-49DF-45D8-80A5-D5C8282EE927}"/>
+                <a16:creationId xmlns:a16="http://schemas.microsoft.com/office/drawing/2014/main" xmlns="" id="{E4E1C8CA-49DF-45D8-80A5-D5C8282EE927}"/>
               </a:ext>
             </a:extLst>
           </p:cNvPr>
@@ -5146,7 +5161,7 @@
           <p:cNvPr id="60" name="Straight Arrow Connector 59">
             <a:extLst>
               <a:ext uri="{FF2B5EF4-FFF2-40B4-BE49-F238E27FC236}">
-                <a16:creationId xmlns="" xmlns:a16="http://schemas.microsoft.com/office/drawing/2014/main" id="{7C9F21BC-13A9-471F-825A-2621FD36355F}"/>
+                <a16:creationId xmlns:a16="http://schemas.microsoft.com/office/drawing/2014/main" xmlns="" id="{7C9F21BC-13A9-471F-825A-2621FD36355F}"/>
               </a:ext>
             </a:extLst>
           </p:cNvPr>
@@ -5192,7 +5207,7 @@
           <p:cNvPr id="63" name="Straight Arrow Connector 62">
             <a:extLst>
               <a:ext uri="{FF2B5EF4-FFF2-40B4-BE49-F238E27FC236}">
-                <a16:creationId xmlns="" xmlns:a16="http://schemas.microsoft.com/office/drawing/2014/main" id="{7C9F21BC-13A9-471F-825A-2621FD36355F}"/>
+                <a16:creationId xmlns:a16="http://schemas.microsoft.com/office/drawing/2014/main" xmlns="" id="{7C9F21BC-13A9-471F-825A-2621FD36355F}"/>
               </a:ext>
             </a:extLst>
           </p:cNvPr>
@@ -5445,7 +5460,7 @@
           <p:cNvPr id="59" name="Straight Arrow Connector 58">
             <a:extLst>
               <a:ext uri="{FF2B5EF4-FFF2-40B4-BE49-F238E27FC236}">
-                <a16:creationId xmlns="" xmlns:a16="http://schemas.microsoft.com/office/drawing/2014/main" id="{D881596E-177C-4FDC-8E60-CAB90B3D5FAB}"/>
+                <a16:creationId xmlns:a16="http://schemas.microsoft.com/office/drawing/2014/main" xmlns="" id="{D881596E-177C-4FDC-8E60-CAB90B3D5FAB}"/>
               </a:ext>
             </a:extLst>
           </p:cNvPr>
@@ -5756,7 +5771,7 @@
           <p:cNvPr id="78" name="Straight Arrow Connector 77">
             <a:extLst>
               <a:ext uri="{FF2B5EF4-FFF2-40B4-BE49-F238E27FC236}">
-                <a16:creationId xmlns="" xmlns:a16="http://schemas.microsoft.com/office/drawing/2014/main" id="{7C9F21BC-13A9-471F-825A-2621FD36355F}"/>
+                <a16:creationId xmlns:a16="http://schemas.microsoft.com/office/drawing/2014/main" xmlns="" id="{7C9F21BC-13A9-471F-825A-2621FD36355F}"/>
               </a:ext>
             </a:extLst>
           </p:cNvPr>
@@ -6031,7 +6046,7 @@
           <p:cNvPr id="100" name="Straight Arrow Connector 99">
             <a:extLst>
               <a:ext uri="{FF2B5EF4-FFF2-40B4-BE49-F238E27FC236}">
-                <a16:creationId xmlns="" xmlns:a16="http://schemas.microsoft.com/office/drawing/2014/main" id="{7C9F21BC-13A9-471F-825A-2621FD36355F}"/>
+                <a16:creationId xmlns:a16="http://schemas.microsoft.com/office/drawing/2014/main" xmlns="" id="{7C9F21BC-13A9-471F-825A-2621FD36355F}"/>
               </a:ext>
             </a:extLst>
           </p:cNvPr>

--- a/docs/diagrams/SuggestSequenceDiagram.pptx
+++ b/docs/diagrams/SuggestSequenceDiagram.pptx
@@ -109,7 +109,7 @@
   </p:defaultTextStyle>
   <p:extLst>
     <p:ext uri="{EFAFB233-063F-42B5-8137-9DF3F51BA10A}">
-      <p15:sldGuideLst xmlns:p15="http://schemas.microsoft.com/office/powerpoint/2012/main" xmlns="">
+      <p15:sldGuideLst xmlns="" xmlns:p15="http://schemas.microsoft.com/office/powerpoint/2012/main">
         <p15:guide id="1" orient="horz" pos="1488">
           <p15:clr>
             <a:srgbClr val="A4A3A4"/>
@@ -4404,19 +4404,7 @@
           <a:p>
             <a:r>
               <a:rPr lang="en-US" dirty="0" smtClean="0"/>
-              <a:t>(“</a:t>
-            </a:r>
-            <a:r>
-              <a:rPr lang="en-US" dirty="0" smtClean="0"/>
-              <a:t>sugges</a:t>
-            </a:r>
-            <a:r>
-              <a:rPr lang="en-US" dirty="0" smtClean="0"/>
-              <a:t>t </a:t>
-            </a:r>
-            <a:r>
-              <a:rPr lang="en-US" dirty="0" smtClean="0"/>
-              <a:t>y/1 s/1”)</a:t>
+              <a:t>(“suggest y/1 s/1”)</a:t>
             </a:r>
             <a:endParaRPr lang="en-US" dirty="0"/>
           </a:p>
@@ -4768,7 +4756,7 @@
         </p:nvSpPr>
         <p:spPr>
           <a:xfrm>
-            <a:off x="5574767" y="3715975"/>
+            <a:off x="5563271" y="3655427"/>
             <a:ext cx="258404" cy="261610"/>
           </a:xfrm>
           <a:prstGeom prst="rect">
@@ -4865,7 +4853,7 @@
           <p:cNvPr id="66" name="Straight Arrow Connector 65">
             <a:extLst>
               <a:ext uri="{FF2B5EF4-FFF2-40B4-BE49-F238E27FC236}">
-                <a16:creationId xmlns:a16="http://schemas.microsoft.com/office/drawing/2014/main" xmlns="" id="{39916E2E-195A-4DC8-B025-B05FA87E6796}"/>
+                <a16:creationId xmlns="" xmlns:a16="http://schemas.microsoft.com/office/drawing/2014/main" id="{39916E2E-195A-4DC8-B025-B05FA87E6796}"/>
               </a:ext>
             </a:extLst>
           </p:cNvPr>
@@ -4909,7 +4897,7 @@
           <p:cNvPr id="67" name="Straight Arrow Connector 66">
             <a:extLst>
               <a:ext uri="{FF2B5EF4-FFF2-40B4-BE49-F238E27FC236}">
-                <a16:creationId xmlns:a16="http://schemas.microsoft.com/office/drawing/2014/main" xmlns="" id="{D881596E-177C-4FDC-8E60-CAB90B3D5FAB}"/>
+                <a16:creationId xmlns="" xmlns:a16="http://schemas.microsoft.com/office/drawing/2014/main" id="{D881596E-177C-4FDC-8E60-CAB90B3D5FAB}"/>
               </a:ext>
             </a:extLst>
           </p:cNvPr>
@@ -4953,7 +4941,7 @@
           <p:cNvPr id="69" name="Straight Arrow Connector 68">
             <a:extLst>
               <a:ext uri="{FF2B5EF4-FFF2-40B4-BE49-F238E27FC236}">
-                <a16:creationId xmlns:a16="http://schemas.microsoft.com/office/drawing/2014/main" xmlns="" id="{7C9F21BC-13A9-471F-825A-2621FD36355F}"/>
+                <a16:creationId xmlns="" xmlns:a16="http://schemas.microsoft.com/office/drawing/2014/main" id="{7C9F21BC-13A9-471F-825A-2621FD36355F}"/>
               </a:ext>
             </a:extLst>
           </p:cNvPr>
@@ -4999,7 +4987,7 @@
           <p:cNvPr id="89" name="Straight Connector 88">
             <a:extLst>
               <a:ext uri="{FF2B5EF4-FFF2-40B4-BE49-F238E27FC236}">
-                <a16:creationId xmlns:a16="http://schemas.microsoft.com/office/drawing/2014/main" xmlns="" id="{E4E1C8CA-49DF-45D8-80A5-D5C8282EE927}"/>
+                <a16:creationId xmlns="" xmlns:a16="http://schemas.microsoft.com/office/drawing/2014/main" id="{E4E1C8CA-49DF-45D8-80A5-D5C8282EE927}"/>
               </a:ext>
             </a:extLst>
           </p:cNvPr>
@@ -5161,7 +5149,7 @@
           <p:cNvPr id="60" name="Straight Arrow Connector 59">
             <a:extLst>
               <a:ext uri="{FF2B5EF4-FFF2-40B4-BE49-F238E27FC236}">
-                <a16:creationId xmlns:a16="http://schemas.microsoft.com/office/drawing/2014/main" xmlns="" id="{7C9F21BC-13A9-471F-825A-2621FD36355F}"/>
+                <a16:creationId xmlns="" xmlns:a16="http://schemas.microsoft.com/office/drawing/2014/main" id="{7C9F21BC-13A9-471F-825A-2621FD36355F}"/>
               </a:ext>
             </a:extLst>
           </p:cNvPr>
@@ -5207,7 +5195,7 @@
           <p:cNvPr id="63" name="Straight Arrow Connector 62">
             <a:extLst>
               <a:ext uri="{FF2B5EF4-FFF2-40B4-BE49-F238E27FC236}">
-                <a16:creationId xmlns:a16="http://schemas.microsoft.com/office/drawing/2014/main" xmlns="" id="{7C9F21BC-13A9-471F-825A-2621FD36355F}"/>
+                <a16:creationId xmlns="" xmlns:a16="http://schemas.microsoft.com/office/drawing/2014/main" id="{7C9F21BC-13A9-471F-825A-2621FD36355F}"/>
               </a:ext>
             </a:extLst>
           </p:cNvPr>
@@ -5460,7 +5448,7 @@
           <p:cNvPr id="59" name="Straight Arrow Connector 58">
             <a:extLst>
               <a:ext uri="{FF2B5EF4-FFF2-40B4-BE49-F238E27FC236}">
-                <a16:creationId xmlns:a16="http://schemas.microsoft.com/office/drawing/2014/main" xmlns="" id="{D881596E-177C-4FDC-8E60-CAB90B3D5FAB}"/>
+                <a16:creationId xmlns="" xmlns:a16="http://schemas.microsoft.com/office/drawing/2014/main" id="{D881596E-177C-4FDC-8E60-CAB90B3D5FAB}"/>
               </a:ext>
             </a:extLst>
           </p:cNvPr>
@@ -5771,7 +5759,7 @@
           <p:cNvPr id="78" name="Straight Arrow Connector 77">
             <a:extLst>
               <a:ext uri="{FF2B5EF4-FFF2-40B4-BE49-F238E27FC236}">
-                <a16:creationId xmlns:a16="http://schemas.microsoft.com/office/drawing/2014/main" xmlns="" id="{7C9F21BC-13A9-471F-825A-2621FD36355F}"/>
+                <a16:creationId xmlns="" xmlns:a16="http://schemas.microsoft.com/office/drawing/2014/main" id="{7C9F21BC-13A9-471F-825A-2621FD36355F}"/>
               </a:ext>
             </a:extLst>
           </p:cNvPr>
@@ -6046,7 +6034,7 @@
           <p:cNvPr id="100" name="Straight Arrow Connector 99">
             <a:extLst>
               <a:ext uri="{FF2B5EF4-FFF2-40B4-BE49-F238E27FC236}">
-                <a16:creationId xmlns:a16="http://schemas.microsoft.com/office/drawing/2014/main" xmlns="" id="{7C9F21BC-13A9-471F-825A-2621FD36355F}"/>
+                <a16:creationId xmlns="" xmlns:a16="http://schemas.microsoft.com/office/drawing/2014/main" id="{7C9F21BC-13A9-471F-825A-2621FD36355F}"/>
               </a:ext>
             </a:extLst>
           </p:cNvPr>
